--- a/public/uploads/ppt/pptx/563810cb6e95521399000024.pptx
+++ b/public/uploads/ppt/pptx/563810cb6e95521399000024.pptx
@@ -5,9 +5,6 @@
     <p:sldMasterId id="2147483648" r:id="rId1"/>
   </p:sldMasterIdLst>
   <p:sldIdLst>
-    <p:sldId id="256" r:id="rId6"/>
-    <p:sldId id="257" r:id="rId7"/>
-    <p:sldId id="258" r:id="rId8"/>
   </p:sldIdLst>
   <p:sldSz cx="9144000" cy="6858000" type="screen4x3"/>
   <p:notesSz cx="6858000" cy="9144000"/>
@@ -3058,261 +3055,6 @@
     </p:otherStyle>
   </p:txStyles>
 </p:sldMaster>
-</file>
-
-<file path=ppt/slides/slide1.xml><?xml version="1.0" encoding="utf-8"?>
-<p:sld xmlns:a="http://schemas.openxmlformats.org/drawingml/2006/main" xmlns:p="http://schemas.openxmlformats.org/presentationml/2006/main" xmlns:r="http://schemas.openxmlformats.org/officeDocument/2006/relationships">
-  <p:cSld>
-    <p:spTree>
-      <p:nvGrpSpPr>
-        <p:cNvPr id="1" name=""/>
-        <p:cNvGrpSpPr/>
-        <p:nvPr/>
-      </p:nvGrpSpPr>
-      <p:grpSpPr>
-        <a:xfrm>
-          <a:off x="0" y="0"/>
-          <a:ext cx="0" cy="0"/>
-          <a:chOff x="0" y="0"/>
-          <a:chExt cx="0" cy="0"/>
-        </a:xfrm>
-      </p:grpSpPr>
-      <p:sp>
-        <p:nvSpPr>
-          <p:cNvPr id="2" name="Title 1"/>
-          <p:cNvSpPr>
-            <a:spLocks noGrp="1"/>
-          </p:cNvSpPr>
-          <p:nvPr>
-            <p:ph type="title"/>
-          </p:nvPr>
-        </p:nvSpPr>
-        <p:spPr/>
-        <p:txBody>
-          <a:bodyPr/>
-          <a:lstStyle/>
-          <a:p>
-            <a:r>
-              <a:rPr dirty="0" lang="en-US" smtClean="0"/>
-              <a:t>Paper</a:t>
-            </a:r>
-            <a:endParaRPr dirty="0" lang="en-US"/>
-          </a:p>
-        </p:txBody>
-      </p:sp>
-      <p:pic>
-        <p:nvPicPr>
-          <p:cNvPr id="4" name="Content Placeholder 3"/>
-          <p:cNvPicPr>
-            <a:picLocks noChangeAspect="1" noGrp="1"/>
-          </p:cNvPicPr>
-          <p:nvPr>
-            <p:ph idx="1"/>
-          </p:nvPr>
-        </p:nvPicPr>
-        <p:blipFill>
-          <a:blip r:embed="rId2">
-            <a:extLst>
-              <a:ext uri="{28A0092B-C50C-407E-A947-70E740481C1C}">
-                <a14:useLocalDpi xmlns:a14="http://schemas.microsoft.com/office/drawing/2010/main" val="0"/>
-              </a:ext>
-            </a:extLst>
-          </a:blip>
-          <a:stretch>
-            <a:fillRect/>
-          </a:stretch>
-        </p:blipFill>
-        <p:spPr>
-          <a:xfrm>
-            <a:off x="0" y="0"/>
-            <a:ext cx="9144000" cy="6858000"/>
-          </a:xfrm>
-          <a:prstGeom prst="rect">
-            <a:avLst/>
-          </a:prstGeom>
-        </p:spPr>
-      </p:pic>
-    </p:spTree>
-    <p:extLst>
-      <p:ext uri="{BB962C8B-B14F-4D97-AF65-F5344CB8AC3E}">
-        <p14:creationId xmlns:p14="http://schemas.microsoft.com/office/powerpoint/2010/main" val="1474098577"/>
-      </p:ext>
-    </p:extLst>
-  </p:cSld>
-  <p:clrMapOvr>
-    <a:masterClrMapping/>
-  </p:clrMapOvr>
-</p:sld>
-</file>
-
-<file path=ppt/slides/slide2.xml><?xml version="1.0" encoding="utf-8"?>
-<p:sld xmlns:a="http://schemas.openxmlformats.org/drawingml/2006/main" xmlns:p="http://schemas.openxmlformats.org/presentationml/2006/main" xmlns:r="http://schemas.openxmlformats.org/officeDocument/2006/relationships">
-  <p:cSld>
-    <p:spTree>
-      <p:nvGrpSpPr>
-        <p:cNvPr id="1" name=""/>
-        <p:cNvGrpSpPr/>
-        <p:nvPr/>
-      </p:nvGrpSpPr>
-      <p:grpSpPr>
-        <a:xfrm>
-          <a:off x="0" y="0"/>
-          <a:ext cx="0" cy="0"/>
-          <a:chOff x="0" y="0"/>
-          <a:chExt cx="0" cy="0"/>
-        </a:xfrm>
-      </p:grpSpPr>
-      <p:sp>
-        <p:nvSpPr>
-          <p:cNvPr id="2" name="Title 1"/>
-          <p:cNvSpPr>
-            <a:spLocks noGrp="1"/>
-          </p:cNvSpPr>
-          <p:nvPr>
-            <p:ph type="title"/>
-          </p:nvPr>
-        </p:nvSpPr>
-        <p:spPr/>
-        <p:txBody>
-          <a:bodyPr/>
-          <a:lstStyle/>
-          <a:p>
-            <a:r>
-              <a:rPr dirty="0" lang="en-US" smtClean="0"/>
-              <a:t>Bycicle</a:t>
-            </a:r>
-            <a:endParaRPr dirty="0" lang="en-US"/>
-          </a:p>
-        </p:txBody>
-      </p:sp>
-      <p:pic>
-        <p:nvPicPr>
-          <p:cNvPr id="4" name="Content Placeholder 3"/>
-          <p:cNvPicPr>
-            <a:picLocks noChangeAspect="1" noGrp="1"/>
-          </p:cNvPicPr>
-          <p:nvPr>
-            <p:ph idx="1"/>
-          </p:nvPr>
-        </p:nvPicPr>
-        <p:blipFill>
-          <a:blip r:embed="rId2">
-            <a:extLst>
-              <a:ext uri="{28A0092B-C50C-407E-A947-70E740481C1C}">
-                <a14:useLocalDpi xmlns:a14="http://schemas.microsoft.com/office/drawing/2010/main" val="0"/>
-              </a:ext>
-            </a:extLst>
-          </a:blip>
-          <a:stretch>
-            <a:fillRect/>
-          </a:stretch>
-        </p:blipFill>
-        <p:spPr>
-          <a:xfrm>
-            <a:off x="0" y="0"/>
-            <a:ext cx="9144000" cy="6858000"/>
-          </a:xfrm>
-          <a:prstGeom prst="rect">
-            <a:avLst/>
-          </a:prstGeom>
-        </p:spPr>
-      </p:pic>
-    </p:spTree>
-    <p:extLst>
-      <p:ext uri="{BB962C8B-B14F-4D97-AF65-F5344CB8AC3E}">
-        <p14:creationId xmlns:p14="http://schemas.microsoft.com/office/powerpoint/2010/main" val="1474098577"/>
-      </p:ext>
-    </p:extLst>
-  </p:cSld>
-  <p:clrMapOvr>
-    <a:masterClrMapping/>
-  </p:clrMapOvr>
-</p:sld>
-</file>
-
-<file path=ppt/slides/slide3.xml><?xml version="1.0" encoding="utf-8"?>
-<p:sld xmlns:a="http://schemas.openxmlformats.org/drawingml/2006/main" xmlns:p="http://schemas.openxmlformats.org/presentationml/2006/main" xmlns:r="http://schemas.openxmlformats.org/officeDocument/2006/relationships">
-  <p:cSld>
-    <p:spTree>
-      <p:nvGrpSpPr>
-        <p:cNvPr id="1" name=""/>
-        <p:cNvGrpSpPr/>
-        <p:nvPr/>
-      </p:nvGrpSpPr>
-      <p:grpSpPr>
-        <a:xfrm>
-          <a:off x="0" y="0"/>
-          <a:ext cx="0" cy="0"/>
-          <a:chOff x="0" y="0"/>
-          <a:chExt cx="0" cy="0"/>
-        </a:xfrm>
-      </p:grpSpPr>
-      <p:sp>
-        <p:nvSpPr>
-          <p:cNvPr id="2" name="Title 1"/>
-          <p:cNvSpPr>
-            <a:spLocks noGrp="1"/>
-          </p:cNvSpPr>
-          <p:nvPr>
-            <p:ph type="title"/>
-          </p:nvPr>
-        </p:nvSpPr>
-        <p:spPr/>
-        <p:txBody>
-          <a:bodyPr/>
-          <a:lstStyle/>
-          <a:p>
-            <a:r>
-              <a:rPr dirty="0" lang="en-US" smtClean="0"/>
-              <a:t>Steam train</a:t>
-            </a:r>
-            <a:endParaRPr dirty="0" lang="en-US"/>
-          </a:p>
-        </p:txBody>
-      </p:sp>
-      <p:pic>
-        <p:nvPicPr>
-          <p:cNvPr id="4" name="Content Placeholder 3"/>
-          <p:cNvPicPr>
-            <a:picLocks noChangeAspect="1" noGrp="1"/>
-          </p:cNvPicPr>
-          <p:nvPr>
-            <p:ph idx="1"/>
-          </p:nvPr>
-        </p:nvPicPr>
-        <p:blipFill>
-          <a:blip r:embed="rId2">
-            <a:extLst>
-              <a:ext uri="{28A0092B-C50C-407E-A947-70E740481C1C}">
-                <a14:useLocalDpi xmlns:a14="http://schemas.microsoft.com/office/drawing/2010/main" val="0"/>
-              </a:ext>
-            </a:extLst>
-          </a:blip>
-          <a:stretch>
-            <a:fillRect/>
-          </a:stretch>
-        </p:blipFill>
-        <p:spPr>
-          <a:xfrm>
-            <a:off x="0" y="0"/>
-            <a:ext cx="9144000" cy="6858000"/>
-          </a:xfrm>
-          <a:prstGeom prst="rect">
-            <a:avLst/>
-          </a:prstGeom>
-        </p:spPr>
-      </p:pic>
-    </p:spTree>
-    <p:extLst>
-      <p:ext uri="{BB962C8B-B14F-4D97-AF65-F5344CB8AC3E}">
-        <p14:creationId xmlns:p14="http://schemas.microsoft.com/office/powerpoint/2010/main" val="1474098577"/>
-      </p:ext>
-    </p:extLst>
-  </p:cSld>
-  <p:clrMapOvr>
-    <a:masterClrMapping/>
-  </p:clrMapOvr>
-</p:sld>
 </file>
 
 <file path=ppt/theme/theme1.xml><?xml version="1.0" encoding="utf-8"?>

--- a/public/uploads/ppt/pptx/563810cb6e95521399000024.pptx
+++ b/public/uploads/ppt/pptx/563810cb6e95521399000024.pptx
@@ -5,6 +5,17 @@
     <p:sldMasterId id="2147483648" r:id="rId1"/>
   </p:sldMasterIdLst>
   <p:sldIdLst>
+    <p:sldId id="256" r:id="rId6"/>
+    <p:sldId id="257" r:id="rId7"/>
+    <p:sldId id="258" r:id="rId8"/>
+    <p:sldId id="259" r:id="rId9"/>
+    <p:sldId id="260" r:id="rId10"/>
+    <p:sldId id="261" r:id="rId11"/>
+    <p:sldId id="262" r:id="rId12"/>
+    <p:sldId id="263" r:id="rId13"/>
+    <p:sldId id="264" r:id="rId14"/>
+    <p:sldId id="265" r:id="rId15"/>
+    <p:sldId id="266" r:id="rId16"/>
   </p:sldIdLst>
   <p:sldSz cx="9144000" cy="6858000" type="screen4x3"/>
   <p:notesSz cx="6858000" cy="9144000"/>
@@ -3055,6 +3066,941 @@
     </p:otherStyle>
   </p:txStyles>
 </p:sldMaster>
+</file>
+
+<file path=ppt/slides/slide1.xml><?xml version="1.0" encoding="utf-8"?>
+<p:sld xmlns:a="http://schemas.openxmlformats.org/drawingml/2006/main" xmlns:p="http://schemas.openxmlformats.org/presentationml/2006/main" xmlns:r="http://schemas.openxmlformats.org/officeDocument/2006/relationships">
+  <p:cSld>
+    <p:spTree>
+      <p:nvGrpSpPr>
+        <p:cNvPr id="1" name=""/>
+        <p:cNvGrpSpPr/>
+        <p:nvPr/>
+      </p:nvGrpSpPr>
+      <p:grpSpPr>
+        <a:xfrm>
+          <a:off x="0" y="0"/>
+          <a:ext cx="0" cy="0"/>
+          <a:chOff x="0" y="0"/>
+          <a:chExt cx="0" cy="0"/>
+        </a:xfrm>
+      </p:grpSpPr>
+      <p:sp>
+        <p:nvSpPr>
+          <p:cNvPr id="2" name="Title 1"/>
+          <p:cNvSpPr>
+            <a:spLocks noGrp="1"/>
+          </p:cNvSpPr>
+          <p:nvPr>
+            <p:ph type="title"/>
+          </p:nvPr>
+        </p:nvSpPr>
+        <p:spPr/>
+        <p:txBody>
+          <a:bodyPr/>
+          <a:lstStyle/>
+          <a:p>
+            <a:r>
+              <a:rPr dirty="0" lang="en-US" smtClean="0"/>
+              <a:t>马驽</a:t>
+            </a:r>
+            <a:endParaRPr dirty="0" lang="en-US"/>
+          </a:p>
+        </p:txBody>
+      </p:sp>
+      <p:pic>
+        <p:nvPicPr>
+          <p:cNvPr id="4" name="Content Placeholder 3"/>
+          <p:cNvPicPr>
+            <a:picLocks noChangeAspect="1" noGrp="1"/>
+          </p:cNvPicPr>
+          <p:nvPr>
+            <p:ph idx="1"/>
+          </p:nvPr>
+        </p:nvPicPr>
+        <p:blipFill>
+          <a:blip r:embed="rId2">
+            <a:extLst>
+              <a:ext uri="{28A0092B-C50C-407E-A947-70E740481C1C}">
+                <a14:useLocalDpi xmlns:a14="http://schemas.microsoft.com/office/drawing/2010/main" val="0"/>
+              </a:ext>
+            </a:extLst>
+          </a:blip>
+          <a:stretch>
+            <a:fillRect/>
+          </a:stretch>
+        </p:blipFill>
+        <p:spPr>
+          <a:xfrm>
+            <a:off x="0" y="0"/>
+            <a:ext cx="9144000" cy="6858000"/>
+          </a:xfrm>
+          <a:prstGeom prst="rect">
+            <a:avLst/>
+          </a:prstGeom>
+        </p:spPr>
+      </p:pic>
+    </p:spTree>
+    <p:extLst>
+      <p:ext uri="{BB962C8B-B14F-4D97-AF65-F5344CB8AC3E}">
+        <p14:creationId xmlns:p14="http://schemas.microsoft.com/office/powerpoint/2010/main" val="1474098577"/>
+      </p:ext>
+    </p:extLst>
+  </p:cSld>
+  <p:clrMapOvr>
+    <a:masterClrMapping/>
+  </p:clrMapOvr>
+</p:sld>
+</file>
+
+<file path=ppt/slides/slide10.xml><?xml version="1.0" encoding="utf-8"?>
+<p:sld xmlns:a="http://schemas.openxmlformats.org/drawingml/2006/main" xmlns:p="http://schemas.openxmlformats.org/presentationml/2006/main" xmlns:r="http://schemas.openxmlformats.org/officeDocument/2006/relationships">
+  <p:cSld>
+    <p:spTree>
+      <p:nvGrpSpPr>
+        <p:cNvPr id="1" name=""/>
+        <p:cNvGrpSpPr/>
+        <p:nvPr/>
+      </p:nvGrpSpPr>
+      <p:grpSpPr>
+        <a:xfrm>
+          <a:off x="0" y="0"/>
+          <a:ext cx="0" cy="0"/>
+          <a:chOff x="0" y="0"/>
+          <a:chExt cx="0" cy="0"/>
+        </a:xfrm>
+      </p:grpSpPr>
+      <p:sp>
+        <p:nvSpPr>
+          <p:cNvPr id="2" name="Title 1"/>
+          <p:cNvSpPr>
+            <a:spLocks noGrp="1"/>
+          </p:cNvSpPr>
+          <p:nvPr>
+            <p:ph type="title"/>
+          </p:nvPr>
+        </p:nvSpPr>
+        <p:spPr/>
+        <p:txBody>
+          <a:bodyPr/>
+          <a:lstStyle/>
+          <a:p>
+            <a:r>
+              <a:rPr dirty="0" lang="en-US" smtClean="0"/>
+              <a:t>book</a:t>
+            </a:r>
+            <a:endParaRPr dirty="0" lang="en-US"/>
+          </a:p>
+        </p:txBody>
+      </p:sp>
+      <p:pic>
+        <p:nvPicPr>
+          <p:cNvPr id="4" name="Content Placeholder 3"/>
+          <p:cNvPicPr>
+            <a:picLocks noChangeAspect="1" noGrp="1"/>
+          </p:cNvPicPr>
+          <p:nvPr>
+            <p:ph idx="1"/>
+          </p:nvPr>
+        </p:nvPicPr>
+        <p:blipFill>
+          <a:blip r:embed="rId2">
+            <a:extLst>
+              <a:ext uri="{28A0092B-C50C-407E-A947-70E740481C1C}">
+                <a14:useLocalDpi xmlns:a14="http://schemas.microsoft.com/office/drawing/2010/main" val="0"/>
+              </a:ext>
+            </a:extLst>
+          </a:blip>
+          <a:stretch>
+            <a:fillRect/>
+          </a:stretch>
+        </p:blipFill>
+        <p:spPr>
+          <a:xfrm>
+            <a:off x="0" y="0"/>
+            <a:ext cx="9144000" cy="6858000"/>
+          </a:xfrm>
+          <a:prstGeom prst="rect">
+            <a:avLst/>
+          </a:prstGeom>
+        </p:spPr>
+      </p:pic>
+    </p:spTree>
+    <p:extLst>
+      <p:ext uri="{BB962C8B-B14F-4D97-AF65-F5344CB8AC3E}">
+        <p14:creationId xmlns:p14="http://schemas.microsoft.com/office/powerpoint/2010/main" val="1474098577"/>
+      </p:ext>
+    </p:extLst>
+  </p:cSld>
+  <p:clrMapOvr>
+    <a:masterClrMapping/>
+  </p:clrMapOvr>
+</p:sld>
+</file>
+
+<file path=ppt/slides/slide11.xml><?xml version="1.0" encoding="utf-8"?>
+<p:sld xmlns:a="http://schemas.openxmlformats.org/drawingml/2006/main" xmlns:p="http://schemas.openxmlformats.org/presentationml/2006/main" xmlns:r="http://schemas.openxmlformats.org/officeDocument/2006/relationships">
+  <p:cSld>
+    <p:spTree>
+      <p:nvGrpSpPr>
+        <p:cNvPr id="1" name=""/>
+        <p:cNvGrpSpPr/>
+        <p:nvPr/>
+      </p:nvGrpSpPr>
+      <p:grpSpPr>
+        <a:xfrm>
+          <a:off x="0" y="0"/>
+          <a:ext cx="0" cy="0"/>
+          <a:chOff x="0" y="0"/>
+          <a:chExt cx="0" cy="0"/>
+        </a:xfrm>
+      </p:grpSpPr>
+      <p:sp>
+        <p:nvSpPr>
+          <p:cNvPr id="2" name="Title 1"/>
+          <p:cNvSpPr>
+            <a:spLocks noGrp="1"/>
+          </p:cNvSpPr>
+          <p:nvPr>
+            <p:ph type="title"/>
+          </p:nvPr>
+        </p:nvSpPr>
+        <p:spPr/>
+        <p:txBody>
+          <a:bodyPr/>
+          <a:lstStyle/>
+          <a:p>
+            <a:r>
+              <a:rPr dirty="0" lang="en-US" smtClean="0"/>
+              <a:t>Bridge</a:t>
+            </a:r>
+            <a:endParaRPr dirty="0" lang="en-US"/>
+          </a:p>
+        </p:txBody>
+      </p:sp>
+      <p:pic>
+        <p:nvPicPr>
+          <p:cNvPr id="4" name="Content Placeholder 3"/>
+          <p:cNvPicPr>
+            <a:picLocks noChangeAspect="1" noGrp="1"/>
+          </p:cNvPicPr>
+          <p:nvPr>
+            <p:ph idx="1"/>
+          </p:nvPr>
+        </p:nvPicPr>
+        <p:blipFill>
+          <a:blip r:embed="rId2">
+            <a:extLst>
+              <a:ext uri="{28A0092B-C50C-407E-A947-70E740481C1C}">
+                <a14:useLocalDpi xmlns:a14="http://schemas.microsoft.com/office/drawing/2010/main" val="0"/>
+              </a:ext>
+            </a:extLst>
+          </a:blip>
+          <a:stretch>
+            <a:fillRect/>
+          </a:stretch>
+        </p:blipFill>
+        <p:spPr>
+          <a:xfrm>
+            <a:off x="0" y="0"/>
+            <a:ext cx="9144000" cy="6858000"/>
+          </a:xfrm>
+          <a:prstGeom prst="rect">
+            <a:avLst/>
+          </a:prstGeom>
+        </p:spPr>
+      </p:pic>
+    </p:spTree>
+    <p:extLst>
+      <p:ext uri="{BB962C8B-B14F-4D97-AF65-F5344CB8AC3E}">
+        <p14:creationId xmlns:p14="http://schemas.microsoft.com/office/powerpoint/2010/main" val="1474098577"/>
+      </p:ext>
+    </p:extLst>
+  </p:cSld>
+  <p:clrMapOvr>
+    <a:masterClrMapping/>
+  </p:clrMapOvr>
+</p:sld>
+</file>
+
+<file path=ppt/slides/slide2.xml><?xml version="1.0" encoding="utf-8"?>
+<p:sld xmlns:a="http://schemas.openxmlformats.org/drawingml/2006/main" xmlns:p="http://schemas.openxmlformats.org/presentationml/2006/main" xmlns:r="http://schemas.openxmlformats.org/officeDocument/2006/relationships">
+  <p:cSld>
+    <p:spTree>
+      <p:nvGrpSpPr>
+        <p:cNvPr id="1" name=""/>
+        <p:cNvGrpSpPr/>
+        <p:nvPr/>
+      </p:nvGrpSpPr>
+      <p:grpSpPr>
+        <a:xfrm>
+          <a:off x="0" y="0"/>
+          <a:ext cx="0" cy="0"/>
+          <a:chOff x="0" y="0"/>
+          <a:chExt cx="0" cy="0"/>
+        </a:xfrm>
+      </p:grpSpPr>
+      <p:sp>
+        <p:nvSpPr>
+          <p:cNvPr id="2" name="Title 1"/>
+          <p:cNvSpPr>
+            <a:spLocks noGrp="1"/>
+          </p:cNvSpPr>
+          <p:nvPr>
+            <p:ph type="title"/>
+          </p:nvPr>
+        </p:nvSpPr>
+        <p:spPr/>
+        <p:txBody>
+          <a:bodyPr/>
+          <a:lstStyle/>
+          <a:p>
+            <a:r>
+              <a:rPr dirty="0" lang="en-US" smtClean="0"/>
+              <a:t>吉诺比利</a:t>
+            </a:r>
+            <a:endParaRPr dirty="0" lang="en-US"/>
+          </a:p>
+        </p:txBody>
+      </p:sp>
+      <p:pic>
+        <p:nvPicPr>
+          <p:cNvPr id="4" name="Content Placeholder 3"/>
+          <p:cNvPicPr>
+            <a:picLocks noChangeAspect="1" noGrp="1"/>
+          </p:cNvPicPr>
+          <p:nvPr>
+            <p:ph idx="1"/>
+          </p:nvPr>
+        </p:nvPicPr>
+        <p:blipFill>
+          <a:blip r:embed="rId2">
+            <a:extLst>
+              <a:ext uri="{28A0092B-C50C-407E-A947-70E740481C1C}">
+                <a14:useLocalDpi xmlns:a14="http://schemas.microsoft.com/office/drawing/2010/main" val="0"/>
+              </a:ext>
+            </a:extLst>
+          </a:blip>
+          <a:stretch>
+            <a:fillRect/>
+          </a:stretch>
+        </p:blipFill>
+        <p:spPr>
+          <a:xfrm>
+            <a:off x="0" y="0"/>
+            <a:ext cx="9144000" cy="6858000"/>
+          </a:xfrm>
+          <a:prstGeom prst="rect">
+            <a:avLst/>
+          </a:prstGeom>
+        </p:spPr>
+      </p:pic>
+    </p:spTree>
+    <p:extLst>
+      <p:ext uri="{BB962C8B-B14F-4D97-AF65-F5344CB8AC3E}">
+        <p14:creationId xmlns:p14="http://schemas.microsoft.com/office/powerpoint/2010/main" val="1474098577"/>
+      </p:ext>
+    </p:extLst>
+  </p:cSld>
+  <p:clrMapOvr>
+    <a:masterClrMapping/>
+  </p:clrMapOvr>
+</p:sld>
+</file>
+
+<file path=ppt/slides/slide3.xml><?xml version="1.0" encoding="utf-8"?>
+<p:sld xmlns:a="http://schemas.openxmlformats.org/drawingml/2006/main" xmlns:p="http://schemas.openxmlformats.org/presentationml/2006/main" xmlns:r="http://schemas.openxmlformats.org/officeDocument/2006/relationships">
+  <p:cSld>
+    <p:spTree>
+      <p:nvGrpSpPr>
+        <p:cNvPr id="1" name=""/>
+        <p:cNvGrpSpPr/>
+        <p:nvPr/>
+      </p:nvGrpSpPr>
+      <p:grpSpPr>
+        <a:xfrm>
+          <a:off x="0" y="0"/>
+          <a:ext cx="0" cy="0"/>
+          <a:chOff x="0" y="0"/>
+          <a:chExt cx="0" cy="0"/>
+        </a:xfrm>
+      </p:grpSpPr>
+      <p:sp>
+        <p:nvSpPr>
+          <p:cNvPr id="2" name="Title 1"/>
+          <p:cNvSpPr>
+            <a:spLocks noGrp="1"/>
+          </p:cNvSpPr>
+          <p:nvPr>
+            <p:ph type="title"/>
+          </p:nvPr>
+        </p:nvSpPr>
+        <p:spPr/>
+        <p:txBody>
+          <a:bodyPr/>
+          <a:lstStyle/>
+          <a:p>
+            <a:r>
+              <a:rPr dirty="0" lang="en-US" smtClean="0"/>
+              <a:t>test</a:t>
+            </a:r>
+            <a:endParaRPr dirty="0" lang="en-US"/>
+          </a:p>
+        </p:txBody>
+      </p:sp>
+      <p:pic>
+        <p:nvPicPr>
+          <p:cNvPr id="4" name="Content Placeholder 3"/>
+          <p:cNvPicPr>
+            <a:picLocks noChangeAspect="1" noGrp="1"/>
+          </p:cNvPicPr>
+          <p:nvPr>
+            <p:ph idx="1"/>
+          </p:nvPr>
+        </p:nvPicPr>
+        <p:blipFill>
+          <a:blip r:embed="rId2">
+            <a:extLst>
+              <a:ext uri="{28A0092B-C50C-407E-A947-70E740481C1C}">
+                <a14:useLocalDpi xmlns:a14="http://schemas.microsoft.com/office/drawing/2010/main" val="0"/>
+              </a:ext>
+            </a:extLst>
+          </a:blip>
+          <a:stretch>
+            <a:fillRect/>
+          </a:stretch>
+        </p:blipFill>
+        <p:spPr>
+          <a:xfrm>
+            <a:off x="0" y="0"/>
+            <a:ext cx="9144000" cy="6858000"/>
+          </a:xfrm>
+          <a:prstGeom prst="rect">
+            <a:avLst/>
+          </a:prstGeom>
+        </p:spPr>
+      </p:pic>
+    </p:spTree>
+    <p:extLst>
+      <p:ext uri="{BB962C8B-B14F-4D97-AF65-F5344CB8AC3E}">
+        <p14:creationId xmlns:p14="http://schemas.microsoft.com/office/powerpoint/2010/main" val="1474098577"/>
+      </p:ext>
+    </p:extLst>
+  </p:cSld>
+  <p:clrMapOvr>
+    <a:masterClrMapping/>
+  </p:clrMapOvr>
+</p:sld>
+</file>
+
+<file path=ppt/slides/slide4.xml><?xml version="1.0" encoding="utf-8"?>
+<p:sld xmlns:a="http://schemas.openxmlformats.org/drawingml/2006/main" xmlns:p="http://schemas.openxmlformats.org/presentationml/2006/main" xmlns:r="http://schemas.openxmlformats.org/officeDocument/2006/relationships">
+  <p:cSld>
+    <p:spTree>
+      <p:nvGrpSpPr>
+        <p:cNvPr id="1" name=""/>
+        <p:cNvGrpSpPr/>
+        <p:nvPr/>
+      </p:nvGrpSpPr>
+      <p:grpSpPr>
+        <a:xfrm>
+          <a:off x="0" y="0"/>
+          <a:ext cx="0" cy="0"/>
+          <a:chOff x="0" y="0"/>
+          <a:chExt cx="0" cy="0"/>
+        </a:xfrm>
+      </p:grpSpPr>
+      <p:sp>
+        <p:nvSpPr>
+          <p:cNvPr id="2" name="Title 1"/>
+          <p:cNvSpPr>
+            <a:spLocks noGrp="1"/>
+          </p:cNvSpPr>
+          <p:nvPr>
+            <p:ph type="title"/>
+          </p:nvPr>
+        </p:nvSpPr>
+        <p:spPr/>
+        <p:txBody>
+          <a:bodyPr/>
+          <a:lstStyle/>
+          <a:p>
+            <a:r>
+              <a:rPr dirty="0" lang="en-US" smtClean="0"/>
+              <a:t>Coffee</a:t>
+            </a:r>
+            <a:endParaRPr dirty="0" lang="en-US"/>
+          </a:p>
+        </p:txBody>
+      </p:sp>
+      <p:pic>
+        <p:nvPicPr>
+          <p:cNvPr id="4" name="Content Placeholder 3"/>
+          <p:cNvPicPr>
+            <a:picLocks noChangeAspect="1" noGrp="1"/>
+          </p:cNvPicPr>
+          <p:nvPr>
+            <p:ph idx="1"/>
+          </p:nvPr>
+        </p:nvPicPr>
+        <p:blipFill>
+          <a:blip r:embed="rId2">
+            <a:extLst>
+              <a:ext uri="{28A0092B-C50C-407E-A947-70E740481C1C}">
+                <a14:useLocalDpi xmlns:a14="http://schemas.microsoft.com/office/drawing/2010/main" val="0"/>
+              </a:ext>
+            </a:extLst>
+          </a:blip>
+          <a:stretch>
+            <a:fillRect/>
+          </a:stretch>
+        </p:blipFill>
+        <p:spPr>
+          <a:xfrm>
+            <a:off x="0" y="0"/>
+            <a:ext cx="9144000" cy="6858000"/>
+          </a:xfrm>
+          <a:prstGeom prst="rect">
+            <a:avLst/>
+          </a:prstGeom>
+        </p:spPr>
+      </p:pic>
+    </p:spTree>
+    <p:extLst>
+      <p:ext uri="{BB962C8B-B14F-4D97-AF65-F5344CB8AC3E}">
+        <p14:creationId xmlns:p14="http://schemas.microsoft.com/office/powerpoint/2010/main" val="1474098577"/>
+      </p:ext>
+    </p:extLst>
+  </p:cSld>
+  <p:clrMapOvr>
+    <a:masterClrMapping/>
+  </p:clrMapOvr>
+</p:sld>
+</file>
+
+<file path=ppt/slides/slide5.xml><?xml version="1.0" encoding="utf-8"?>
+<p:sld xmlns:a="http://schemas.openxmlformats.org/drawingml/2006/main" xmlns:p="http://schemas.openxmlformats.org/presentationml/2006/main" xmlns:r="http://schemas.openxmlformats.org/officeDocument/2006/relationships">
+  <p:cSld>
+    <p:spTree>
+      <p:nvGrpSpPr>
+        <p:cNvPr id="1" name=""/>
+        <p:cNvGrpSpPr/>
+        <p:nvPr/>
+      </p:nvGrpSpPr>
+      <p:grpSpPr>
+        <a:xfrm>
+          <a:off x="0" y="0"/>
+          <a:ext cx="0" cy="0"/>
+          <a:chOff x="0" y="0"/>
+          <a:chExt cx="0" cy="0"/>
+        </a:xfrm>
+      </p:grpSpPr>
+      <p:sp>
+        <p:nvSpPr>
+          <p:cNvPr id="2" name="Title 1"/>
+          <p:cNvSpPr>
+            <a:spLocks noGrp="1"/>
+          </p:cNvSpPr>
+          <p:nvPr>
+            <p:ph type="title"/>
+          </p:nvPr>
+        </p:nvSpPr>
+        <p:spPr/>
+        <p:txBody>
+          <a:bodyPr/>
+          <a:lstStyle/>
+          <a:p>
+            <a:r>
+              <a:rPr dirty="0" lang="en-US" smtClean="0"/>
+              <a:t>Steam train</a:t>
+            </a:r>
+            <a:endParaRPr dirty="0" lang="en-US"/>
+          </a:p>
+        </p:txBody>
+      </p:sp>
+      <p:pic>
+        <p:nvPicPr>
+          <p:cNvPr id="4" name="Content Placeholder 3"/>
+          <p:cNvPicPr>
+            <a:picLocks noChangeAspect="1" noGrp="1"/>
+          </p:cNvPicPr>
+          <p:nvPr>
+            <p:ph idx="1"/>
+          </p:nvPr>
+        </p:nvPicPr>
+        <p:blipFill>
+          <a:blip r:embed="rId2">
+            <a:extLst>
+              <a:ext uri="{28A0092B-C50C-407E-A947-70E740481C1C}">
+                <a14:useLocalDpi xmlns:a14="http://schemas.microsoft.com/office/drawing/2010/main" val="0"/>
+              </a:ext>
+            </a:extLst>
+          </a:blip>
+          <a:stretch>
+            <a:fillRect/>
+          </a:stretch>
+        </p:blipFill>
+        <p:spPr>
+          <a:xfrm>
+            <a:off x="0" y="0"/>
+            <a:ext cx="9144000" cy="6858000"/>
+          </a:xfrm>
+          <a:prstGeom prst="rect">
+            <a:avLst/>
+          </a:prstGeom>
+        </p:spPr>
+      </p:pic>
+    </p:spTree>
+    <p:extLst>
+      <p:ext uri="{BB962C8B-B14F-4D97-AF65-F5344CB8AC3E}">
+        <p14:creationId xmlns:p14="http://schemas.microsoft.com/office/powerpoint/2010/main" val="1474098577"/>
+      </p:ext>
+    </p:extLst>
+  </p:cSld>
+  <p:clrMapOvr>
+    <a:masterClrMapping/>
+  </p:clrMapOvr>
+</p:sld>
+</file>
+
+<file path=ppt/slides/slide6.xml><?xml version="1.0" encoding="utf-8"?>
+<p:sld xmlns:a="http://schemas.openxmlformats.org/drawingml/2006/main" xmlns:p="http://schemas.openxmlformats.org/presentationml/2006/main" xmlns:r="http://schemas.openxmlformats.org/officeDocument/2006/relationships">
+  <p:cSld>
+    <p:spTree>
+      <p:nvGrpSpPr>
+        <p:cNvPr id="1" name=""/>
+        <p:cNvGrpSpPr/>
+        <p:nvPr/>
+      </p:nvGrpSpPr>
+      <p:grpSpPr>
+        <a:xfrm>
+          <a:off x="0" y="0"/>
+          <a:ext cx="0" cy="0"/>
+          <a:chOff x="0" y="0"/>
+          <a:chExt cx="0" cy="0"/>
+        </a:xfrm>
+      </p:grpSpPr>
+      <p:sp>
+        <p:nvSpPr>
+          <p:cNvPr id="2" name="Title 1"/>
+          <p:cNvSpPr>
+            <a:spLocks noGrp="1"/>
+          </p:cNvSpPr>
+          <p:nvPr>
+            <p:ph type="title"/>
+          </p:nvPr>
+        </p:nvSpPr>
+        <p:spPr/>
+        <p:txBody>
+          <a:bodyPr/>
+          <a:lstStyle/>
+          <a:p>
+            <a:r>
+              <a:rPr dirty="0" lang="en-US" smtClean="0"/>
+              <a:t>Pool</a:t>
+            </a:r>
+            <a:endParaRPr dirty="0" lang="en-US"/>
+          </a:p>
+        </p:txBody>
+      </p:sp>
+      <p:pic>
+        <p:nvPicPr>
+          <p:cNvPr id="4" name="Content Placeholder 3"/>
+          <p:cNvPicPr>
+            <a:picLocks noChangeAspect="1" noGrp="1"/>
+          </p:cNvPicPr>
+          <p:nvPr>
+            <p:ph idx="1"/>
+          </p:nvPr>
+        </p:nvPicPr>
+        <p:blipFill>
+          <a:blip r:embed="rId2">
+            <a:extLst>
+              <a:ext uri="{28A0092B-C50C-407E-A947-70E740481C1C}">
+                <a14:useLocalDpi xmlns:a14="http://schemas.microsoft.com/office/drawing/2010/main" val="0"/>
+              </a:ext>
+            </a:extLst>
+          </a:blip>
+          <a:stretch>
+            <a:fillRect/>
+          </a:stretch>
+        </p:blipFill>
+        <p:spPr>
+          <a:xfrm>
+            <a:off x="0" y="0"/>
+            <a:ext cx="9144000" cy="6858000"/>
+          </a:xfrm>
+          <a:prstGeom prst="rect">
+            <a:avLst/>
+          </a:prstGeom>
+        </p:spPr>
+      </p:pic>
+    </p:spTree>
+    <p:extLst>
+      <p:ext uri="{BB962C8B-B14F-4D97-AF65-F5344CB8AC3E}">
+        <p14:creationId xmlns:p14="http://schemas.microsoft.com/office/powerpoint/2010/main" val="1474098577"/>
+      </p:ext>
+    </p:extLst>
+  </p:cSld>
+  <p:clrMapOvr>
+    <a:masterClrMapping/>
+  </p:clrMapOvr>
+</p:sld>
+</file>
+
+<file path=ppt/slides/slide7.xml><?xml version="1.0" encoding="utf-8"?>
+<p:sld xmlns:a="http://schemas.openxmlformats.org/drawingml/2006/main" xmlns:p="http://schemas.openxmlformats.org/presentationml/2006/main" xmlns:r="http://schemas.openxmlformats.org/officeDocument/2006/relationships">
+  <p:cSld>
+    <p:spTree>
+      <p:nvGrpSpPr>
+        <p:cNvPr id="1" name=""/>
+        <p:cNvGrpSpPr/>
+        <p:nvPr/>
+      </p:nvGrpSpPr>
+      <p:grpSpPr>
+        <a:xfrm>
+          <a:off x="0" y="0"/>
+          <a:ext cx="0" cy="0"/>
+          <a:chOff x="0" y="0"/>
+          <a:chExt cx="0" cy="0"/>
+        </a:xfrm>
+      </p:grpSpPr>
+      <p:sp>
+        <p:nvSpPr>
+          <p:cNvPr id="2" name="Title 1"/>
+          <p:cNvSpPr>
+            <a:spLocks noGrp="1"/>
+          </p:cNvSpPr>
+          <p:nvPr>
+            <p:ph type="title"/>
+          </p:nvPr>
+        </p:nvSpPr>
+        <p:spPr/>
+        <p:txBody>
+          <a:bodyPr/>
+          <a:lstStyle/>
+          <a:p>
+            <a:r>
+              <a:rPr dirty="0" lang="en-US" smtClean="0"/>
+              <a:t>Bycicle</a:t>
+            </a:r>
+            <a:endParaRPr dirty="0" lang="en-US"/>
+          </a:p>
+        </p:txBody>
+      </p:sp>
+      <p:pic>
+        <p:nvPicPr>
+          <p:cNvPr id="4" name="Content Placeholder 3"/>
+          <p:cNvPicPr>
+            <a:picLocks noChangeAspect="1" noGrp="1"/>
+          </p:cNvPicPr>
+          <p:nvPr>
+            <p:ph idx="1"/>
+          </p:nvPr>
+        </p:nvPicPr>
+        <p:blipFill>
+          <a:blip r:embed="rId2">
+            <a:extLst>
+              <a:ext uri="{28A0092B-C50C-407E-A947-70E740481C1C}">
+                <a14:useLocalDpi xmlns:a14="http://schemas.microsoft.com/office/drawing/2010/main" val="0"/>
+              </a:ext>
+            </a:extLst>
+          </a:blip>
+          <a:stretch>
+            <a:fillRect/>
+          </a:stretch>
+        </p:blipFill>
+        <p:spPr>
+          <a:xfrm>
+            <a:off x="0" y="0"/>
+            <a:ext cx="9144000" cy="6858000"/>
+          </a:xfrm>
+          <a:prstGeom prst="rect">
+            <a:avLst/>
+          </a:prstGeom>
+        </p:spPr>
+      </p:pic>
+    </p:spTree>
+    <p:extLst>
+      <p:ext uri="{BB962C8B-B14F-4D97-AF65-F5344CB8AC3E}">
+        <p14:creationId xmlns:p14="http://schemas.microsoft.com/office/powerpoint/2010/main" val="1474098577"/>
+      </p:ext>
+    </p:extLst>
+  </p:cSld>
+  <p:clrMapOvr>
+    <a:masterClrMapping/>
+  </p:clrMapOvr>
+</p:sld>
+</file>
+
+<file path=ppt/slides/slide8.xml><?xml version="1.0" encoding="utf-8"?>
+<p:sld xmlns:a="http://schemas.openxmlformats.org/drawingml/2006/main" xmlns:p="http://schemas.openxmlformats.org/presentationml/2006/main" xmlns:r="http://schemas.openxmlformats.org/officeDocument/2006/relationships">
+  <p:cSld>
+    <p:spTree>
+      <p:nvGrpSpPr>
+        <p:cNvPr id="1" name=""/>
+        <p:cNvGrpSpPr/>
+        <p:nvPr/>
+      </p:nvGrpSpPr>
+      <p:grpSpPr>
+        <a:xfrm>
+          <a:off x="0" y="0"/>
+          <a:ext cx="0" cy="0"/>
+          <a:chOff x="0" y="0"/>
+          <a:chExt cx="0" cy="0"/>
+        </a:xfrm>
+      </p:grpSpPr>
+      <p:sp>
+        <p:nvSpPr>
+          <p:cNvPr id="2" name="Title 1"/>
+          <p:cNvSpPr>
+            <a:spLocks noGrp="1"/>
+          </p:cNvSpPr>
+          <p:nvPr>
+            <p:ph type="title"/>
+          </p:nvPr>
+        </p:nvSpPr>
+        <p:spPr/>
+        <p:txBody>
+          <a:bodyPr/>
+          <a:lstStyle/>
+          <a:p>
+            <a:r>
+              <a:rPr dirty="0" lang="en-US" smtClean="0"/>
+              <a:t>Glasses</a:t>
+            </a:r>
+            <a:endParaRPr dirty="0" lang="en-US"/>
+          </a:p>
+        </p:txBody>
+      </p:sp>
+      <p:pic>
+        <p:nvPicPr>
+          <p:cNvPr id="4" name="Content Placeholder 3"/>
+          <p:cNvPicPr>
+            <a:picLocks noChangeAspect="1" noGrp="1"/>
+          </p:cNvPicPr>
+          <p:nvPr>
+            <p:ph idx="1"/>
+          </p:nvPr>
+        </p:nvPicPr>
+        <p:blipFill>
+          <a:blip r:embed="rId2">
+            <a:extLst>
+              <a:ext uri="{28A0092B-C50C-407E-A947-70E740481C1C}">
+                <a14:useLocalDpi xmlns:a14="http://schemas.microsoft.com/office/drawing/2010/main" val="0"/>
+              </a:ext>
+            </a:extLst>
+          </a:blip>
+          <a:stretch>
+            <a:fillRect/>
+          </a:stretch>
+        </p:blipFill>
+        <p:spPr>
+          <a:xfrm>
+            <a:off x="0" y="0"/>
+            <a:ext cx="9144000" cy="6858000"/>
+          </a:xfrm>
+          <a:prstGeom prst="rect">
+            <a:avLst/>
+          </a:prstGeom>
+        </p:spPr>
+      </p:pic>
+    </p:spTree>
+    <p:extLst>
+      <p:ext uri="{BB962C8B-B14F-4D97-AF65-F5344CB8AC3E}">
+        <p14:creationId xmlns:p14="http://schemas.microsoft.com/office/powerpoint/2010/main" val="1474098577"/>
+      </p:ext>
+    </p:extLst>
+  </p:cSld>
+  <p:clrMapOvr>
+    <a:masterClrMapping/>
+  </p:clrMapOvr>
+</p:sld>
+</file>
+
+<file path=ppt/slides/slide9.xml><?xml version="1.0" encoding="utf-8"?>
+<p:sld xmlns:a="http://schemas.openxmlformats.org/drawingml/2006/main" xmlns:p="http://schemas.openxmlformats.org/presentationml/2006/main" xmlns:r="http://schemas.openxmlformats.org/officeDocument/2006/relationships">
+  <p:cSld>
+    <p:spTree>
+      <p:nvGrpSpPr>
+        <p:cNvPr id="1" name=""/>
+        <p:cNvGrpSpPr/>
+        <p:nvPr/>
+      </p:nvGrpSpPr>
+      <p:grpSpPr>
+        <a:xfrm>
+          <a:off x="0" y="0"/>
+          <a:ext cx="0" cy="0"/>
+          <a:chOff x="0" y="0"/>
+          <a:chExt cx="0" cy="0"/>
+        </a:xfrm>
+      </p:grpSpPr>
+      <p:sp>
+        <p:nvSpPr>
+          <p:cNvPr id="2" name="Title 1"/>
+          <p:cNvSpPr>
+            <a:spLocks noGrp="1"/>
+          </p:cNvSpPr>
+          <p:nvPr>
+            <p:ph type="title"/>
+          </p:nvPr>
+        </p:nvSpPr>
+        <p:spPr/>
+        <p:txBody>
+          <a:bodyPr/>
+          <a:lstStyle/>
+          <a:p>
+            <a:r>
+              <a:rPr dirty="0" lang="en-US" smtClean="0"/>
+              <a:t>The acient torn</a:t>
+            </a:r>
+            <a:endParaRPr dirty="0" lang="en-US"/>
+          </a:p>
+        </p:txBody>
+      </p:sp>
+      <p:pic>
+        <p:nvPicPr>
+          <p:cNvPr id="4" name="Content Placeholder 3"/>
+          <p:cNvPicPr>
+            <a:picLocks noChangeAspect="1" noGrp="1"/>
+          </p:cNvPicPr>
+          <p:nvPr>
+            <p:ph idx="1"/>
+          </p:nvPr>
+        </p:nvPicPr>
+        <p:blipFill>
+          <a:blip r:embed="rId2">
+            <a:extLst>
+              <a:ext uri="{28A0092B-C50C-407E-A947-70E740481C1C}">
+                <a14:useLocalDpi xmlns:a14="http://schemas.microsoft.com/office/drawing/2010/main" val="0"/>
+              </a:ext>
+            </a:extLst>
+          </a:blip>
+          <a:stretch>
+            <a:fillRect/>
+          </a:stretch>
+        </p:blipFill>
+        <p:spPr>
+          <a:xfrm>
+            <a:off x="0" y="0"/>
+            <a:ext cx="9144000" cy="6858000"/>
+          </a:xfrm>
+          <a:prstGeom prst="rect">
+            <a:avLst/>
+          </a:prstGeom>
+        </p:spPr>
+      </p:pic>
+    </p:spTree>
+    <p:extLst>
+      <p:ext uri="{BB962C8B-B14F-4D97-AF65-F5344CB8AC3E}">
+        <p14:creationId xmlns:p14="http://schemas.microsoft.com/office/powerpoint/2010/main" val="1474098577"/>
+      </p:ext>
+    </p:extLst>
+  </p:cSld>
+  <p:clrMapOvr>
+    <a:masterClrMapping/>
+  </p:clrMapOvr>
+</p:sld>
 </file>
 
 <file path=ppt/theme/theme1.xml><?xml version="1.0" encoding="utf-8"?>
